--- a/SanDat_Triska_poster.pptx
+++ b/SanDat_Triska_poster.pptx
@@ -417,7 +417,7 @@
             <a:fld id="{572C75A8-B715-499D-A5E1-FFB2898E2DBB}" type="datetimeFigureOut">
               <a:rPr lang="sv-SE" smtClean="0"/>
               <a:pPr/>
-              <a:t>2019-01-08</a:t>
+              <a:t>2019-01-11</a:t>
             </a:fld>
             <a:endParaRPr lang="sv-SE"/>
           </a:p>
@@ -583,7 +583,7 @@
           <a:p>
             <a:fld id="{D0BEE7CE-64C2-40EA-878F-D1F047690A82}" type="datetimeFigureOut">
               <a:rPr lang="en-US" smtClean="0"/>
-              <a:t>08-Jan-19</a:t>
+              <a:t>11-Jan-19</a:t>
             </a:fld>
             <a:endParaRPr lang="en-US"/>
           </a:p>
@@ -7041,8 +7041,8 @@
         </p:nvSpPr>
         <p:spPr>
           <a:xfrm>
-            <a:off x="6139062" y="262418"/>
-            <a:ext cx="19880400" cy="2088232"/>
+            <a:off x="8281094" y="627253"/>
+            <a:ext cx="16922055" cy="3621469"/>
           </a:xfrm>
           <a:prstGeom prst="rect">
             <a:avLst/>
@@ -7072,7 +7072,7 @@
                   <a:srgbClr val="CF5F13"/>
                 </a:solidFill>
               </a:rPr>
-              <a:t>Analysing the Santander Customer</a:t>
+              <a:t>Analysing the Santander </a:t>
             </a:r>
           </a:p>
           <a:p>
@@ -7090,7 +7090,7 @@
                   <a:srgbClr val="CF5F13"/>
                 </a:solidFill>
               </a:rPr>
-              <a:t>Satisfaction dataset</a:t>
+              <a:t>Customer Satisfaction dataset</a:t>
             </a:r>
             <a:endParaRPr lang="en-GB" sz="5400" b="0" i="0" u="none" strike="noStrike" kern="1200" cap="none" spc="0" baseline="0" dirty="0">
               <a:solidFill>
@@ -7110,7 +7110,7 @@
         </p:nvSpPr>
         <p:spPr>
           <a:xfrm>
-            <a:off x="6503855" y="3218483"/>
+            <a:off x="6510726" y="3485185"/>
             <a:ext cx="19150814" cy="869432"/>
           </a:xfrm>
           <a:prstGeom prst="rect">
@@ -7136,7 +7136,7 @@
               </a:defRPr>
             </a:pPr>
             <a:r>
-              <a:rPr lang="en-US" sz="3200" b="0" i="0" u="none" strike="noStrike" kern="1200" cap="none" spc="0" baseline="0">
+              <a:rPr lang="en-US" sz="4000" b="0" i="0" u="none" strike="noStrike" kern="1200" cap="none" spc="0" baseline="0">
                 <a:solidFill>
                   <a:srgbClr val="1C54A6"/>
                 </a:solidFill>
@@ -7146,7 +7146,7 @@
               </a:rPr>
               <a:t>L. Triska</a:t>
             </a:r>
-            <a:endParaRPr lang="sv-SE" sz="3200" b="0" i="0" u="none" strike="noStrike" kern="1200" cap="none" spc="0" baseline="30000" dirty="0">
+            <a:endParaRPr lang="sv-SE" sz="4000" b="0" i="0" u="none" strike="noStrike" kern="1200" cap="none" spc="0" baseline="30000" dirty="0">
               <a:solidFill>
                 <a:srgbClr val="1C54A6"/>
               </a:solidFill>
@@ -7405,7 +7405,7 @@
         <p:spPr>
           <a:xfrm>
             <a:off x="593926" y="5336396"/>
-            <a:ext cx="9073008" cy="6251007"/>
+            <a:ext cx="6529824" cy="5216877"/>
           </a:xfrm>
           <a:prstGeom prst="rect">
             <a:avLst/>
@@ -7440,7 +7440,7 @@
                 <a:latin typeface="Georgia" pitchFamily="18"/>
                 <a:cs typeface="Times New Roman" pitchFamily="18"/>
               </a:rPr>
-              <a:t>In this project, I have tried to predict whether a certain customer is satisfied with the service or not,</a:t>
+              <a:t>In the project I tried to predict if a certain customer is satisfied with the service or not, using the Santander Customer Satisfaction dataset. The raw data was taken from the corresponding competition on Kaggle. I have also managed to figure out what features of the data play the</a:t>
             </a:r>
           </a:p>
           <a:p>
@@ -7463,99 +7463,7 @@
                 <a:latin typeface="Georgia" pitchFamily="18"/>
                 <a:cs typeface="Times New Roman" pitchFamily="18"/>
               </a:rPr>
-              <a:t>using the Santander Customer Satisfaction dataset. The raw data was taken from the corresponding</a:t>
-            </a:r>
-          </a:p>
-          <a:p>
-            <a:pPr defTabSz="3497579">
-              <a:lnSpc>
-                <a:spcPct val="120000"/>
-              </a:lnSpc>
-              <a:defRPr sz="1800" b="0" i="0" u="none" strike="noStrike" kern="0" cap="none" spc="0" baseline="0">
-                <a:solidFill>
-                  <a:srgbClr val="000000"/>
-                </a:solidFill>
-                <a:uFillTx/>
-              </a:defRPr>
-            </a:pPr>
-            <a:r>
-              <a:rPr lang="en-GB" sz="2800">
-                <a:solidFill>
-                  <a:srgbClr val="1C54A6"/>
-                </a:solidFill>
-                <a:latin typeface="Georgia" pitchFamily="18"/>
-                <a:cs typeface="Times New Roman" pitchFamily="18"/>
-              </a:rPr>
-              <a:t>competition on Kaggle. The goal of this project is to be able to predict the satisfaction of a certain</a:t>
-            </a:r>
-          </a:p>
-          <a:p>
-            <a:pPr defTabSz="3497579">
-              <a:lnSpc>
-                <a:spcPct val="120000"/>
-              </a:lnSpc>
-              <a:defRPr sz="1800" b="0" i="0" u="none" strike="noStrike" kern="0" cap="none" spc="0" baseline="0">
-                <a:solidFill>
-                  <a:srgbClr val="000000"/>
-                </a:solidFill>
-                <a:uFillTx/>
-              </a:defRPr>
-            </a:pPr>
-            <a:r>
-              <a:rPr lang="en-GB" sz="2800">
-                <a:solidFill>
-                  <a:srgbClr val="1C54A6"/>
-                </a:solidFill>
-                <a:latin typeface="Georgia" pitchFamily="18"/>
-                <a:cs typeface="Times New Roman" pitchFamily="18"/>
-              </a:rPr>
-              <a:t>customer, based on the data that we have on them, and to figure out what features of the data play the</a:t>
-            </a:r>
-          </a:p>
-          <a:p>
-            <a:pPr defTabSz="3497579">
-              <a:lnSpc>
-                <a:spcPct val="120000"/>
-              </a:lnSpc>
-              <a:defRPr sz="1800" b="0" i="0" u="none" strike="noStrike" kern="0" cap="none" spc="0" baseline="0">
-                <a:solidFill>
-                  <a:srgbClr val="000000"/>
-                </a:solidFill>
-                <a:uFillTx/>
-              </a:defRPr>
-            </a:pPr>
-            <a:r>
-              <a:rPr lang="en-GB" sz="2800">
-                <a:solidFill>
-                  <a:srgbClr val="1C54A6"/>
-                </a:solidFill>
-                <a:latin typeface="Georgia" pitchFamily="18"/>
-                <a:cs typeface="Times New Roman" pitchFamily="18"/>
-              </a:rPr>
-              <a:t>biggest role in making a customer satisfied. I have also used the data on the Kaggle page for this</a:t>
-            </a:r>
-          </a:p>
-          <a:p>
-            <a:pPr defTabSz="3497579">
-              <a:lnSpc>
-                <a:spcPct val="120000"/>
-              </a:lnSpc>
-              <a:defRPr sz="1800" b="0" i="0" u="none" strike="noStrike" kern="0" cap="none" spc="0" baseline="0">
-                <a:solidFill>
-                  <a:srgbClr val="000000"/>
-                </a:solidFill>
-                <a:uFillTx/>
-              </a:defRPr>
-            </a:pPr>
-            <a:r>
-              <a:rPr lang="en-GB" sz="2800">
-                <a:solidFill>
-                  <a:srgbClr val="1C54A6"/>
-                </a:solidFill>
-                <a:latin typeface="Georgia" pitchFamily="18"/>
-                <a:cs typeface="Times New Roman" pitchFamily="18"/>
-              </a:rPr>
-              <a:t>competition, to help figure out what certain features represented etc.</a:t>
+              <a:t>biggest role in making a customer satisfied. </a:t>
             </a:r>
             <a:endParaRPr lang="en-GB" sz="2800" b="0" i="0" u="none" strike="noStrike" kern="1200" cap="none" spc="0" baseline="0" dirty="0">
               <a:solidFill>
@@ -7652,7 +7560,7 @@
         </p:nvSpPr>
         <p:spPr>
           <a:xfrm rot="10799991">
-            <a:off x="6768929" y="4536756"/>
+            <a:off x="6116938" y="4536756"/>
             <a:ext cx="1494851" cy="895709"/>
           </a:xfrm>
           <a:custGeom>
@@ -7814,7 +7722,7 @@
         </p:nvSpPr>
         <p:spPr>
           <a:xfrm>
-            <a:off x="7267729" y="4481658"/>
+            <a:off x="6615738" y="4481658"/>
             <a:ext cx="497250" cy="769440"/>
           </a:xfrm>
           <a:prstGeom prst="rect">
@@ -8936,36 +8844,6 @@
       </p:sp>
       <p:pic>
         <p:nvPicPr>
-          <p:cNvPr id="30" name="Picture 33">
-            <a:extLst>
-              <a:ext uri="{FF2B5EF4-FFF2-40B4-BE49-F238E27FC236}">
-                <a16:creationId xmlns:a16="http://schemas.microsoft.com/office/drawing/2014/main" id="{F3D3F9B8-3842-4E6B-BF87-E004B81F6C09}"/>
-              </a:ext>
-            </a:extLst>
-          </p:cNvPr>
-          <p:cNvPicPr>
-            <a:picLocks noChangeAspect="1"/>
-          </p:cNvPicPr>
-          <p:nvPr/>
-        </p:nvPicPr>
-        <p:blipFill>
-          <a:blip r:embed="rId3"/>
-          <a:stretch>
-            <a:fillRect/>
-          </a:stretch>
-        </p:blipFill>
-        <p:spPr>
-          <a:xfrm>
-            <a:off x="-438150" y="-403580"/>
-            <a:ext cx="9310687" cy="6507871"/>
-          </a:xfrm>
-          <a:prstGeom prst="rect">
-            <a:avLst/>
-          </a:prstGeom>
-        </p:spPr>
-      </p:pic>
-      <p:pic>
-        <p:nvPicPr>
           <p:cNvPr id="10" name="Picture 9" descr="awdawd">
             <a:extLst>
               <a:ext uri="{FF2B5EF4-FFF2-40B4-BE49-F238E27FC236}">
@@ -8979,7 +8857,7 @@
           <p:nvPr/>
         </p:nvPicPr>
         <p:blipFill rotWithShape="1">
-          <a:blip r:embed="rId4">
+          <a:blip r:embed="rId3">
             <a:extLst>
               <a:ext uri="{28A0092B-C50C-407E-A947-70E740481C1C}">
                 <a14:useLocalDpi xmlns:a14="http://schemas.microsoft.com/office/drawing/2010/main" val="0"/>
@@ -8991,8 +8869,8 @@
         </p:blipFill>
         <p:spPr>
           <a:xfrm>
-            <a:off x="10297319" y="6455248"/>
-            <a:ext cx="5491576" cy="3686668"/>
+            <a:off x="7272983" y="5214360"/>
+            <a:ext cx="9000999" cy="5741742"/>
           </a:xfrm>
           <a:prstGeom prst="rect">
             <a:avLst/>
@@ -9023,8 +8901,8 @@
         </p:nvSpPr>
         <p:spPr>
           <a:xfrm>
-            <a:off x="10297319" y="10302607"/>
-            <a:ext cx="5487203" cy="1253624"/>
+            <a:off x="7609888" y="10971757"/>
+            <a:ext cx="8227880" cy="889136"/>
           </a:xfrm>
           <a:prstGeom prst="rect">
             <a:avLst/>
@@ -9811,7 +9689,7 @@
         <p:spPr>
           <a:xfrm>
             <a:off x="528039" y="21688820"/>
-            <a:ext cx="24026863" cy="1080360"/>
+            <a:ext cx="24026863" cy="2631554"/>
           </a:xfrm>
           <a:prstGeom prst="rect">
             <a:avLst/>
@@ -9822,7 +9700,7 @@
           </a:ln>
         </p:spPr>
         <p:txBody>
-          <a:bodyPr vert="horz" wrap="square" lIns="91440" tIns="45720" rIns="91440" bIns="45720" anchor="t" anchorCtr="0" compatLnSpc="1">
+          <a:bodyPr vert="horz" wrap="square" lIns="91440" tIns="45720" rIns="91440" bIns="45720" anchor="ctr" anchorCtr="0" compatLnSpc="1">
             <a:spAutoFit/>
           </a:bodyPr>
           <a:lstStyle/>
@@ -9846,14 +9724,36 @@
                 <a:latin typeface="Georgia" pitchFamily="18"/>
                 <a:cs typeface="Times New Roman" pitchFamily="18"/>
               </a:rPr>
-              <a:t>The best result was achieved using the Gradient Boosting Classifier, which gave me an accuracy of 83%.</a:t>
-            </a:r>
-          </a:p>
-          <a:p>
-            <a:pPr algn="ctr" defTabSz="3497579">
+              <a:t>The best result was achieved using the Gradient Boosting Classifier, which gave me an accuracy of 83%. Also, I think it’s worth mentioning that the dataset is semi-anonymized, so it is unclear what a feature represents. I found the importance of each feature, the </a:t>
+            </a:r>
+            <a:r>
+              <a:rPr lang="en-GB" sz="2800" i="1">
+                <a:solidFill>
+                  <a:srgbClr val="1C54A6"/>
+                </a:solidFill>
+                <a:latin typeface="Georgia" pitchFamily="18"/>
+                <a:cs typeface="Times New Roman" pitchFamily="18"/>
+              </a:rPr>
+              <a:t>most </a:t>
+            </a:r>
+            <a:r>
+              <a:rPr lang="en-GB" sz="2800">
+                <a:solidFill>
+                  <a:srgbClr val="1C54A6"/>
+                </a:solidFill>
+                <a:latin typeface="Georgia" pitchFamily="18"/>
+                <a:cs typeface="Times New Roman" pitchFamily="18"/>
+              </a:rPr>
+              <a:t>important of which are:</a:t>
+            </a:r>
+          </a:p>
+          <a:p>
+            <a:pPr marL="514350" indent="-514350" algn="ctr" defTabSz="3497579">
               <a:lnSpc>
                 <a:spcPct val="120000"/>
               </a:lnSpc>
+              <a:buFont typeface="+mj-lt"/>
+              <a:buAutoNum type="arabicPeriod"/>
               <a:defRPr sz="1800" b="0" i="0" u="none" strike="noStrike" kern="0" cap="none" spc="0" baseline="0">
                 <a:solidFill>
                   <a:srgbClr val="000000"/>
@@ -9862,14 +9762,64 @@
               </a:defRPr>
             </a:pPr>
             <a:r>
-              <a:rPr lang="en-GB" sz="2800">
+              <a:rPr lang="en-US" sz="2800">
                 <a:solidFill>
                   <a:srgbClr val="1C54A6"/>
                 </a:solidFill>
                 <a:latin typeface="Georgia" pitchFamily="18"/>
                 <a:cs typeface="Times New Roman" pitchFamily="18"/>
               </a:rPr>
-              <a:t>Using those results I figured out the importance of each feature. Here are the 20 most important ones:</a:t>
+              <a:t>var15 – the age of a person</a:t>
+            </a:r>
+          </a:p>
+          <a:p>
+            <a:pPr marL="514350" indent="-514350" algn="ctr" defTabSz="3497579">
+              <a:lnSpc>
+                <a:spcPct val="120000"/>
+              </a:lnSpc>
+              <a:buFont typeface="+mj-lt"/>
+              <a:buAutoNum type="arabicPeriod"/>
+              <a:defRPr sz="1800" b="0" i="0" u="none" strike="noStrike" kern="0" cap="none" spc="0" baseline="0">
+                <a:solidFill>
+                  <a:srgbClr val="000000"/>
+                </a:solidFill>
+                <a:uFillTx/>
+              </a:defRPr>
+            </a:pPr>
+            <a:r>
+              <a:rPr lang="en-US" sz="2800">
+                <a:solidFill>
+                  <a:srgbClr val="1C54A6"/>
+                </a:solidFill>
+                <a:latin typeface="Georgia" pitchFamily="18"/>
+                <a:cs typeface="Times New Roman" pitchFamily="18"/>
+              </a:rPr>
+              <a:t>saldo_var30 – a person’s balance</a:t>
+            </a:r>
+          </a:p>
+          <a:p>
+            <a:pPr marL="514350" indent="-514350" algn="ctr" defTabSz="3497579">
+              <a:lnSpc>
+                <a:spcPct val="120000"/>
+              </a:lnSpc>
+              <a:buFont typeface="+mj-lt"/>
+              <a:buAutoNum type="arabicPeriod"/>
+              <a:defRPr sz="1800" b="0" i="0" u="none" strike="noStrike" kern="0" cap="none" spc="0" baseline="0">
+                <a:solidFill>
+                  <a:srgbClr val="000000"/>
+                </a:solidFill>
+                <a:uFillTx/>
+              </a:defRPr>
+            </a:pPr>
+            <a:r>
+              <a:rPr lang="en-US" sz="2800">
+                <a:solidFill>
+                  <a:srgbClr val="1C54A6"/>
+                </a:solidFill>
+                <a:latin typeface="Georgia" pitchFamily="18"/>
+                <a:cs typeface="Times New Roman" pitchFamily="18"/>
+              </a:rPr>
+              <a:t>var38 – the mortgage value</a:t>
             </a:r>
           </a:p>
         </p:txBody>
@@ -9889,7 +9839,7 @@
           <p:nvPr/>
         </p:nvPicPr>
         <p:blipFill>
-          <a:blip r:embed="rId5">
+          <a:blip r:embed="rId4">
             <a:extLst>
               <a:ext uri="{28A0092B-C50C-407E-A947-70E740481C1C}">
                 <a14:useLocalDpi xmlns:a14="http://schemas.microsoft.com/office/drawing/2010/main" val="0"/>
@@ -9903,8 +9853,8 @@
         </p:blipFill>
         <p:spPr bwMode="auto">
           <a:xfrm>
-            <a:off x="641526" y="23059777"/>
-            <a:ext cx="23913376" cy="9267144"/>
+            <a:off x="2279674" y="25882701"/>
+            <a:ext cx="20020544" cy="7758556"/>
           </a:xfrm>
           <a:prstGeom prst="rect">
             <a:avLst/>
@@ -9921,6 +9871,79 @@
           </a:extLst>
         </p:spPr>
       </p:pic>
+      <p:pic>
+        <p:nvPicPr>
+          <p:cNvPr id="34" name="Picture 33">
+            <a:extLst>
+              <a:ext uri="{FF2B5EF4-FFF2-40B4-BE49-F238E27FC236}">
+                <a16:creationId xmlns:a16="http://schemas.microsoft.com/office/drawing/2014/main" id="{B8235520-398C-4F47-8E21-AAA4D4A90A37}"/>
+              </a:ext>
+            </a:extLst>
+          </p:cNvPr>
+          <p:cNvPicPr>
+            <a:picLocks noChangeAspect="1"/>
+          </p:cNvPicPr>
+          <p:nvPr/>
+        </p:nvPicPr>
+        <p:blipFill>
+          <a:blip r:embed="rId5"/>
+          <a:stretch>
+            <a:fillRect/>
+          </a:stretch>
+        </p:blipFill>
+        <p:spPr>
+          <a:xfrm>
+            <a:off x="-176601" y="-456952"/>
+            <a:ext cx="9310687" cy="6507871"/>
+          </a:xfrm>
+          <a:prstGeom prst="rect">
+            <a:avLst/>
+          </a:prstGeom>
+        </p:spPr>
+      </p:pic>
+      <p:sp>
+        <p:nvSpPr>
+          <p:cNvPr id="3" name="TextBox 2">
+            <a:extLst>
+              <a:ext uri="{FF2B5EF4-FFF2-40B4-BE49-F238E27FC236}">
+                <a16:creationId xmlns:a16="http://schemas.microsoft.com/office/drawing/2014/main" id="{D4C7D55D-4CAF-4DE0-8622-30E581FB87AF}"/>
+              </a:ext>
+            </a:extLst>
+          </p:cNvPr>
+          <p:cNvSpPr txBox="1"/>
+          <p:nvPr/>
+        </p:nvSpPr>
+        <p:spPr>
+          <a:xfrm>
+            <a:off x="6940957" y="25169464"/>
+            <a:ext cx="11321235" cy="523220"/>
+          </a:xfrm>
+          <a:prstGeom prst="rect">
+            <a:avLst/>
+          </a:prstGeom>
+          <a:noFill/>
+        </p:spPr>
+        <p:txBody>
+          <a:bodyPr wrap="square" rtlCol="0" anchor="ctr">
+            <a:spAutoFit/>
+          </a:bodyPr>
+          <a:lstStyle/>
+          <a:p>
+            <a:pPr algn="ctr"/>
+            <a:r>
+              <a:rPr lang="en-GB" sz="2800">
+                <a:solidFill>
+                  <a:srgbClr val="1C54A6"/>
+                </a:solidFill>
+                <a:latin typeface="Georgia" pitchFamily="18"/>
+                <a:cs typeface="Times New Roman" pitchFamily="18"/>
+              </a:rPr>
+              <a:t>Here are the 20 most important features</a:t>
+            </a:r>
+            <a:endParaRPr lang="en-GB"/>
+          </a:p>
+        </p:txBody>
+      </p:sp>
     </p:spTree>
   </p:cSld>
   <p:clrMapOvr>
